--- a/Ivars_Naglis-parskats.pptx
+++ b/Ivars_Naglis-parskats.pptx
@@ -235,6 +235,7 @@
           <a:p>
             <a:fld id="{B3FB0C7B-5117-4B85-A78B-9E2A98EA8BB0}" type="datetimeFigureOut">
               <a:rPr lang="en-US" smtClean="0"/>
+              <a:pPr/>
               <a:t>12/9/2014</a:t>
             </a:fld>
             <a:endParaRPr lang="en-US"/>
@@ -396,6 +397,7 @@
           <a:p>
             <a:fld id="{F2D310A1-6E75-424D-9035-2D26CDE5D052}" type="slidenum">
               <a:rPr lang="en-US" smtClean="0"/>
+              <a:pPr/>
               <a:t>‹#›</a:t>
             </a:fld>
             <a:endParaRPr lang="en-US"/>
@@ -567,6 +569,7 @@
           <a:p>
             <a:fld id="{F2D310A1-6E75-424D-9035-2D26CDE5D052}" type="slidenum">
               <a:rPr lang="en-US" smtClean="0"/>
+              <a:pPr/>
               <a:t>13</a:t>
             </a:fld>
             <a:endParaRPr lang="en-US"/>
@@ -769,6 +772,9 @@
             </a:pPr>
             <a:fld id="{BB8276D2-9F69-4E24-BF17-BA07246D18D3}" type="datetime1">
               <a:rPr lang="en-US" smtClean="0"/>
+              <a:pPr>
+                <a:defRPr/>
+              </a:pPr>
               <a:t>12/9/2014</a:t>
             </a:fld>
             <a:endParaRPr lang="en-US"/>
@@ -837,7 +843,7 @@
     </p:spTree>
     <p:extLst>
       <p:ext uri="{BB962C8B-B14F-4D97-AF65-F5344CB8AC3E}">
-        <p14:creationId xmlns:p14="http://schemas.microsoft.com/office/powerpoint/2010/main" xmlns="" val="418049397"/>
+        <p14:creationId xmlns="" xmlns:p14="http://schemas.microsoft.com/office/powerpoint/2010/main" val="418049397"/>
       </p:ext>
     </p:extLst>
   </p:cSld>
@@ -963,6 +969,9 @@
             </a:pPr>
             <a:fld id="{05C693F8-ED20-4A03-8335-C266607F05F5}" type="datetime1">
               <a:rPr lang="en-US" smtClean="0"/>
+              <a:pPr>
+                <a:defRPr/>
+              </a:pPr>
               <a:t>12/9/2014</a:t>
             </a:fld>
             <a:endParaRPr lang="en-US"/>
@@ -1031,7 +1040,7 @@
     </p:spTree>
     <p:extLst>
       <p:ext uri="{BB962C8B-B14F-4D97-AF65-F5344CB8AC3E}">
-        <p14:creationId xmlns:p14="http://schemas.microsoft.com/office/powerpoint/2010/main" xmlns="" val="3980429467"/>
+        <p14:creationId xmlns="" xmlns:p14="http://schemas.microsoft.com/office/powerpoint/2010/main" val="3980429467"/>
       </p:ext>
     </p:extLst>
   </p:cSld>
@@ -1167,6 +1176,9 @@
             </a:pPr>
             <a:fld id="{1E1668D9-214E-46AD-8398-E7FDA8A11A35}" type="datetime1">
               <a:rPr lang="en-US" smtClean="0"/>
+              <a:pPr>
+                <a:defRPr/>
+              </a:pPr>
               <a:t>12/9/2014</a:t>
             </a:fld>
             <a:endParaRPr lang="en-US"/>
@@ -1235,7 +1247,7 @@
     </p:spTree>
     <p:extLst>
       <p:ext uri="{BB962C8B-B14F-4D97-AF65-F5344CB8AC3E}">
-        <p14:creationId xmlns:p14="http://schemas.microsoft.com/office/powerpoint/2010/main" xmlns="" val="257434730"/>
+        <p14:creationId xmlns="" xmlns:p14="http://schemas.microsoft.com/office/powerpoint/2010/main" val="257434730"/>
       </p:ext>
     </p:extLst>
   </p:cSld>
@@ -1361,6 +1373,9 @@
             </a:pPr>
             <a:fld id="{A73DABE9-A559-4342-922E-0FD0D9B5D0D5}" type="datetime1">
               <a:rPr lang="en-US" smtClean="0"/>
+              <a:pPr>
+                <a:defRPr/>
+              </a:pPr>
               <a:t>12/9/2014</a:t>
             </a:fld>
             <a:endParaRPr lang="en-US"/>
@@ -1429,7 +1444,7 @@
     </p:spTree>
     <p:extLst>
       <p:ext uri="{BB962C8B-B14F-4D97-AF65-F5344CB8AC3E}">
-        <p14:creationId xmlns:p14="http://schemas.microsoft.com/office/powerpoint/2010/main" xmlns="" val="378810989"/>
+        <p14:creationId xmlns="" xmlns:p14="http://schemas.microsoft.com/office/powerpoint/2010/main" val="378810989"/>
       </p:ext>
     </p:extLst>
   </p:cSld>
@@ -1631,6 +1646,9 @@
             </a:pPr>
             <a:fld id="{305F8522-DA4E-493D-8E5F-AED48BAFC122}" type="datetime1">
               <a:rPr lang="en-US" smtClean="0"/>
+              <a:pPr>
+                <a:defRPr/>
+              </a:pPr>
               <a:t>12/9/2014</a:t>
             </a:fld>
             <a:endParaRPr lang="en-US"/>
@@ -1699,7 +1717,7 @@
     </p:spTree>
     <p:extLst>
       <p:ext uri="{BB962C8B-B14F-4D97-AF65-F5344CB8AC3E}">
-        <p14:creationId xmlns:p14="http://schemas.microsoft.com/office/powerpoint/2010/main" xmlns="" val="2372780728"/>
+        <p14:creationId xmlns="" xmlns:p14="http://schemas.microsoft.com/office/powerpoint/2010/main" val="2372780728"/>
       </p:ext>
     </p:extLst>
   </p:cSld>
@@ -1943,6 +1961,9 @@
             </a:pPr>
             <a:fld id="{6A4C7E56-4EB8-44A9-A355-E095B5CAE75E}" type="datetime1">
               <a:rPr lang="en-US" smtClean="0"/>
+              <a:pPr>
+                <a:defRPr/>
+              </a:pPr>
               <a:t>12/9/2014</a:t>
             </a:fld>
             <a:endParaRPr lang="en-US"/>
@@ -2011,7 +2032,7 @@
     </p:spTree>
     <p:extLst>
       <p:ext uri="{BB962C8B-B14F-4D97-AF65-F5344CB8AC3E}">
-        <p14:creationId xmlns:p14="http://schemas.microsoft.com/office/powerpoint/2010/main" xmlns="" val="213289023"/>
+        <p14:creationId xmlns="" xmlns:p14="http://schemas.microsoft.com/office/powerpoint/2010/main" val="213289023"/>
       </p:ext>
     </p:extLst>
   </p:cSld>
@@ -2394,6 +2415,9 @@
             </a:pPr>
             <a:fld id="{DA40E1FF-B6DD-4552-AF6D-82FFA45B44B4}" type="datetime1">
               <a:rPr lang="en-US" smtClean="0"/>
+              <a:pPr>
+                <a:defRPr/>
+              </a:pPr>
               <a:t>12/9/2014</a:t>
             </a:fld>
             <a:endParaRPr lang="en-US"/>
@@ -2462,7 +2486,7 @@
     </p:spTree>
     <p:extLst>
       <p:ext uri="{BB962C8B-B14F-4D97-AF65-F5344CB8AC3E}">
-        <p14:creationId xmlns:p14="http://schemas.microsoft.com/office/powerpoint/2010/main" xmlns="" val="2096488944"/>
+        <p14:creationId xmlns="" xmlns:p14="http://schemas.microsoft.com/office/powerpoint/2010/main" val="2096488944"/>
       </p:ext>
     </p:extLst>
   </p:cSld>
@@ -2536,6 +2560,9 @@
             </a:pPr>
             <a:fld id="{9234752E-5CD1-4C1E-89B1-6B6D845B1FD4}" type="datetime1">
               <a:rPr lang="en-US" smtClean="0"/>
+              <a:pPr>
+                <a:defRPr/>
+              </a:pPr>
               <a:t>12/9/2014</a:t>
             </a:fld>
             <a:endParaRPr lang="en-US"/>
@@ -2604,7 +2631,7 @@
     </p:spTree>
     <p:extLst>
       <p:ext uri="{BB962C8B-B14F-4D97-AF65-F5344CB8AC3E}">
-        <p14:creationId xmlns:p14="http://schemas.microsoft.com/office/powerpoint/2010/main" xmlns="" val="1832534871"/>
+        <p14:creationId xmlns="" xmlns:p14="http://schemas.microsoft.com/office/powerpoint/2010/main" val="1832534871"/>
       </p:ext>
     </p:extLst>
   </p:cSld>
@@ -2655,6 +2682,9 @@
             </a:pPr>
             <a:fld id="{FC17B49A-1537-4144-A2E0-6E0286E83C33}" type="datetime1">
               <a:rPr lang="en-US" smtClean="0"/>
+              <a:pPr>
+                <a:defRPr/>
+              </a:pPr>
               <a:t>12/9/2014</a:t>
             </a:fld>
             <a:endParaRPr lang="en-US"/>
@@ -2723,7 +2753,7 @@
     </p:spTree>
     <p:extLst>
       <p:ext uri="{BB962C8B-B14F-4D97-AF65-F5344CB8AC3E}">
-        <p14:creationId xmlns:p14="http://schemas.microsoft.com/office/powerpoint/2010/main" xmlns="" val="2957286857"/>
+        <p14:creationId xmlns="" xmlns:p14="http://schemas.microsoft.com/office/powerpoint/2010/main" val="2957286857"/>
       </p:ext>
     </p:extLst>
   </p:cSld>
@@ -2956,6 +2986,9 @@
             </a:pPr>
             <a:fld id="{8A1FDF83-D45A-4922-958D-80C2A12F36C5}" type="datetime1">
               <a:rPr lang="en-US" smtClean="0"/>
+              <a:pPr>
+                <a:defRPr/>
+              </a:pPr>
               <a:t>12/9/2014</a:t>
             </a:fld>
             <a:endParaRPr lang="en-US"/>
@@ -3024,7 +3057,7 @@
     </p:spTree>
     <p:extLst>
       <p:ext uri="{BB962C8B-B14F-4D97-AF65-F5344CB8AC3E}">
-        <p14:creationId xmlns:p14="http://schemas.microsoft.com/office/powerpoint/2010/main" xmlns="" val="3452334254"/>
+        <p14:creationId xmlns="" xmlns:p14="http://schemas.microsoft.com/office/powerpoint/2010/main" val="3452334254"/>
       </p:ext>
     </p:extLst>
   </p:cSld>
@@ -3147,7 +3180,6 @@
               <a:rPr lang="en-US" noProof="0" smtClean="0"/>
               <a:t>Click icon to add picture</a:t>
             </a:r>
-            <a:endParaRPr lang="en-US" noProof="0" smtClean="0"/>
           </a:p>
         </p:txBody>
       </p:sp>
@@ -3240,6 +3272,9 @@
             </a:pPr>
             <a:fld id="{207AA875-66E9-4E9F-BD67-3AB4D111DB7E}" type="datetime1">
               <a:rPr lang="en-US" smtClean="0"/>
+              <a:pPr>
+                <a:defRPr/>
+              </a:pPr>
               <a:t>12/9/2014</a:t>
             </a:fld>
             <a:endParaRPr lang="en-US"/>
@@ -3308,7 +3343,7 @@
     </p:spTree>
     <p:extLst>
       <p:ext uri="{BB962C8B-B14F-4D97-AF65-F5344CB8AC3E}">
-        <p14:creationId xmlns:p14="http://schemas.microsoft.com/office/powerpoint/2010/main" xmlns="" val="3165868229"/>
+        <p14:creationId xmlns="" xmlns:p14="http://schemas.microsoft.com/office/powerpoint/2010/main" val="3165868229"/>
       </p:ext>
     </p:extLst>
   </p:cSld>
@@ -3364,14 +3399,14 @@
           </a:ln>
           <a:extLst>
             <a:ext uri="{909E8E84-426E-40DD-AFC4-6F175D3DCCD1}">
-              <a14:hiddenFill xmlns:a14="http://schemas.microsoft.com/office/drawing/2010/main" xmlns="">
+              <a14:hiddenFill xmlns="" xmlns:a14="http://schemas.microsoft.com/office/drawing/2010/main">
                 <a:solidFill>
                   <a:srgbClr val="FFFFFF"/>
                 </a:solidFill>
               </a14:hiddenFill>
             </a:ext>
             <a:ext uri="{91240B29-F687-4F45-9708-019B960494DF}">
-              <a14:hiddenLine xmlns:a14="http://schemas.microsoft.com/office/drawing/2010/main" xmlns="" w="9525">
+              <a14:hiddenLine xmlns="" xmlns:a14="http://schemas.microsoft.com/office/drawing/2010/main" w="9525">
                 <a:solidFill>
                   <a:srgbClr val="000000"/>
                 </a:solidFill>
@@ -3395,7 +3430,6 @@
               <a:rPr lang="en-US" smtClean="0"/>
               <a:t>Click to edit Master title style</a:t>
             </a:r>
-            <a:endParaRPr lang="en-US" smtClean="0"/>
           </a:p>
         </p:txBody>
       </p:sp>
@@ -3423,14 +3457,14 @@
           </a:ln>
           <a:extLst>
             <a:ext uri="{909E8E84-426E-40DD-AFC4-6F175D3DCCD1}">
-              <a14:hiddenFill xmlns:a14="http://schemas.microsoft.com/office/drawing/2010/main" xmlns="">
+              <a14:hiddenFill xmlns="" xmlns:a14="http://schemas.microsoft.com/office/drawing/2010/main">
                 <a:solidFill>
                   <a:srgbClr val="FFFFFF"/>
                 </a:solidFill>
               </a14:hiddenFill>
             </a:ext>
             <a:ext uri="{91240B29-F687-4F45-9708-019B960494DF}">
-              <a14:hiddenLine xmlns:a14="http://schemas.microsoft.com/office/drawing/2010/main" xmlns="" w="9525">
+              <a14:hiddenLine xmlns="" xmlns:a14="http://schemas.microsoft.com/office/drawing/2010/main" w="9525">
                 <a:solidFill>
                   <a:srgbClr val="000000"/>
                 </a:solidFill>
@@ -3482,7 +3516,6 @@
               <a:rPr lang="en-US" smtClean="0"/>
               <a:t>Fifth level</a:t>
             </a:r>
-            <a:endParaRPr lang="en-US" smtClean="0"/>
           </a:p>
         </p:txBody>
       </p:sp>
@@ -3532,6 +3565,9 @@
             </a:pPr>
             <a:fld id="{1AAF832C-EF0D-462C-A1B9-06D468D66582}" type="datetime1">
               <a:rPr lang="en-US" smtClean="0"/>
+              <a:pPr>
+                <a:defRPr/>
+              </a:pPr>
               <a:t>12/9/2014</a:t>
             </a:fld>
             <a:endParaRPr lang="en-US"/>
@@ -4163,14 +4199,14 @@
           </a:ln>
           <a:extLst>
             <a:ext uri="{909E8E84-426E-40DD-AFC4-6F175D3DCCD1}">
-              <a14:hiddenFill xmlns:a14="http://schemas.microsoft.com/office/drawing/2010/main" xmlns="">
+              <a14:hiddenFill xmlns="" xmlns:a14="http://schemas.microsoft.com/office/drawing/2010/main">
                 <a:solidFill>
                   <a:srgbClr val="FFFFFF"/>
                 </a:solidFill>
               </a14:hiddenFill>
             </a:ext>
             <a:ext uri="{91240B29-F687-4F45-9708-019B960494DF}">
-              <a14:hiddenLine xmlns:a14="http://schemas.microsoft.com/office/drawing/2010/main" xmlns="" w="9525">
+              <a14:hiddenLine xmlns="" xmlns:a14="http://schemas.microsoft.com/office/drawing/2010/main" w="9525">
                 <a:solidFill>
                   <a:srgbClr val="000000"/>
                 </a:solidFill>
@@ -4327,14 +4363,14 @@
           </a:ln>
           <a:extLst>
             <a:ext uri="{909E8E84-426E-40DD-AFC4-6F175D3DCCD1}">
-              <a14:hiddenFill xmlns:a14="http://schemas.microsoft.com/office/drawing/2010/main" xmlns="">
+              <a14:hiddenFill xmlns="" xmlns:a14="http://schemas.microsoft.com/office/drawing/2010/main">
                 <a:solidFill>
                   <a:srgbClr val="FFFFFF"/>
                 </a:solidFill>
               </a14:hiddenFill>
             </a:ext>
             <a:ext uri="{91240B29-F687-4F45-9708-019B960494DF}">
-              <a14:hiddenLine xmlns:a14="http://schemas.microsoft.com/office/drawing/2010/main" xmlns="" w="9525">
+              <a14:hiddenLine xmlns="" xmlns:a14="http://schemas.microsoft.com/office/drawing/2010/main" w="9525">
                 <a:solidFill>
                   <a:srgbClr val="000000"/>
                 </a:solidFill>
@@ -4491,14 +4527,14 @@
           </a:ln>
           <a:extLst>
             <a:ext uri="{909E8E84-426E-40DD-AFC4-6F175D3DCCD1}">
-              <a14:hiddenFill xmlns:a14="http://schemas.microsoft.com/office/drawing/2010/main" xmlns="">
+              <a14:hiddenFill xmlns="" xmlns:a14="http://schemas.microsoft.com/office/drawing/2010/main">
                 <a:solidFill>
                   <a:srgbClr val="FFFFFF"/>
                 </a:solidFill>
               </a14:hiddenFill>
             </a:ext>
             <a:ext uri="{91240B29-F687-4F45-9708-019B960494DF}">
-              <a14:hiddenLine xmlns:a14="http://schemas.microsoft.com/office/drawing/2010/main" xmlns="" w="9525">
+              <a14:hiddenLine xmlns="" xmlns:a14="http://schemas.microsoft.com/office/drawing/2010/main" w="9525">
                 <a:solidFill>
                   <a:srgbClr val="000000"/>
                 </a:solidFill>
@@ -4671,7 +4707,7 @@
             </a:ln>
             <a:extLst>
               <a:ext uri="{909E8E84-426E-40DD-AFC4-6F175D3DCCD1}">
-                <a14:hiddenFill xmlns:a14="http://schemas.microsoft.com/office/drawing/2010/main" xmlns="">
+                <a14:hiddenFill xmlns="" xmlns:a14="http://schemas.microsoft.com/office/drawing/2010/main">
                   <a:noFill/>
                 </a14:hiddenFill>
               </a:ext>
@@ -4712,7 +4748,7 @@
             </a:ln>
             <a:extLst>
               <a:ext uri="{909E8E84-426E-40DD-AFC4-6F175D3DCCD1}">
-                <a14:hiddenFill xmlns:a14="http://schemas.microsoft.com/office/drawing/2010/main" xmlns="">
+                <a14:hiddenFill xmlns="" xmlns:a14="http://schemas.microsoft.com/office/drawing/2010/main">
                   <a:noFill/>
                 </a14:hiddenFill>
               </a:ext>
@@ -4753,7 +4789,7 @@
             </a:ln>
             <a:extLst>
               <a:ext uri="{909E8E84-426E-40DD-AFC4-6F175D3DCCD1}">
-                <a14:hiddenFill xmlns:a14="http://schemas.microsoft.com/office/drawing/2010/main" xmlns="">
+                <a14:hiddenFill xmlns="" xmlns:a14="http://schemas.microsoft.com/office/drawing/2010/main">
                   <a:noFill/>
                 </a14:hiddenFill>
               </a:ext>
@@ -4794,7 +4830,7 @@
             </a:ln>
             <a:extLst>
               <a:ext uri="{909E8E84-426E-40DD-AFC4-6F175D3DCCD1}">
-                <a14:hiddenFill xmlns:a14="http://schemas.microsoft.com/office/drawing/2010/main" xmlns="">
+                <a14:hiddenFill xmlns="" xmlns:a14="http://schemas.microsoft.com/office/drawing/2010/main">
                   <a:noFill/>
                 </a14:hiddenFill>
               </a:ext>
@@ -4835,7 +4871,7 @@
             </a:ln>
             <a:extLst>
               <a:ext uri="{909E8E84-426E-40DD-AFC4-6F175D3DCCD1}">
-                <a14:hiddenFill xmlns:a14="http://schemas.microsoft.com/office/drawing/2010/main" xmlns="">
+                <a14:hiddenFill xmlns="" xmlns:a14="http://schemas.microsoft.com/office/drawing/2010/main">
                   <a:noFill/>
                 </a14:hiddenFill>
               </a:ext>
@@ -4876,7 +4912,7 @@
             </a:ln>
             <a:extLst>
               <a:ext uri="{909E8E84-426E-40DD-AFC4-6F175D3DCCD1}">
-                <a14:hiddenFill xmlns:a14="http://schemas.microsoft.com/office/drawing/2010/main" xmlns="">
+                <a14:hiddenFill xmlns="" xmlns:a14="http://schemas.microsoft.com/office/drawing/2010/main">
                   <a:noFill/>
                 </a14:hiddenFill>
               </a:ext>
@@ -4917,7 +4953,7 @@
             </a:ln>
             <a:extLst>
               <a:ext uri="{909E8E84-426E-40DD-AFC4-6F175D3DCCD1}">
-                <a14:hiddenFill xmlns:a14="http://schemas.microsoft.com/office/drawing/2010/main" xmlns="">
+                <a14:hiddenFill xmlns="" xmlns:a14="http://schemas.microsoft.com/office/drawing/2010/main">
                   <a:noFill/>
                 </a14:hiddenFill>
               </a:ext>
@@ -4958,7 +4994,7 @@
             </a:ln>
             <a:extLst>
               <a:ext uri="{909E8E84-426E-40DD-AFC4-6F175D3DCCD1}">
-                <a14:hiddenFill xmlns:a14="http://schemas.microsoft.com/office/drawing/2010/main" xmlns="">
+                <a14:hiddenFill xmlns="" xmlns:a14="http://schemas.microsoft.com/office/drawing/2010/main">
                   <a:noFill/>
                 </a14:hiddenFill>
               </a:ext>
@@ -5222,7 +5258,7 @@
             </a:ln>
             <a:extLst>
               <a:ext uri="{909E8E84-426E-40DD-AFC4-6F175D3DCCD1}">
-                <a14:hiddenFill xmlns:a14="http://schemas.microsoft.com/office/drawing/2010/main" xmlns="">
+                <a14:hiddenFill xmlns="" xmlns:a14="http://schemas.microsoft.com/office/drawing/2010/main">
                   <a:noFill/>
                 </a14:hiddenFill>
               </a:ext>
@@ -5263,7 +5299,7 @@
             </a:ln>
             <a:extLst>
               <a:ext uri="{909E8E84-426E-40DD-AFC4-6F175D3DCCD1}">
-                <a14:hiddenFill xmlns:a14="http://schemas.microsoft.com/office/drawing/2010/main" xmlns="">
+                <a14:hiddenFill xmlns="" xmlns:a14="http://schemas.microsoft.com/office/drawing/2010/main">
                   <a:noFill/>
                 </a14:hiddenFill>
               </a:ext>
@@ -5304,7 +5340,7 @@
             </a:ln>
             <a:extLst>
               <a:ext uri="{909E8E84-426E-40DD-AFC4-6F175D3DCCD1}">
-                <a14:hiddenFill xmlns:a14="http://schemas.microsoft.com/office/drawing/2010/main" xmlns="">
+                <a14:hiddenFill xmlns="" xmlns:a14="http://schemas.microsoft.com/office/drawing/2010/main">
                   <a:noFill/>
                 </a14:hiddenFill>
               </a:ext>
@@ -5345,7 +5381,7 @@
             </a:ln>
             <a:extLst>
               <a:ext uri="{909E8E84-426E-40DD-AFC4-6F175D3DCCD1}">
-                <a14:hiddenFill xmlns:a14="http://schemas.microsoft.com/office/drawing/2010/main" xmlns="">
+                <a14:hiddenFill xmlns="" xmlns:a14="http://schemas.microsoft.com/office/drawing/2010/main">
                   <a:noFill/>
                 </a14:hiddenFill>
               </a:ext>
@@ -5386,7 +5422,7 @@
             </a:ln>
             <a:extLst>
               <a:ext uri="{909E8E84-426E-40DD-AFC4-6F175D3DCCD1}">
-                <a14:hiddenFill xmlns:a14="http://schemas.microsoft.com/office/drawing/2010/main" xmlns="">
+                <a14:hiddenFill xmlns="" xmlns:a14="http://schemas.microsoft.com/office/drawing/2010/main">
                   <a:noFill/>
                 </a14:hiddenFill>
               </a:ext>
@@ -5427,7 +5463,7 @@
             </a:ln>
             <a:extLst>
               <a:ext uri="{909E8E84-426E-40DD-AFC4-6F175D3DCCD1}">
-                <a14:hiddenFill xmlns:a14="http://schemas.microsoft.com/office/drawing/2010/main" xmlns="">
+                <a14:hiddenFill xmlns="" xmlns:a14="http://schemas.microsoft.com/office/drawing/2010/main">
                   <a:noFill/>
                 </a14:hiddenFill>
               </a:ext>
@@ -5468,7 +5504,7 @@
             </a:ln>
             <a:extLst>
               <a:ext uri="{909E8E84-426E-40DD-AFC4-6F175D3DCCD1}">
-                <a14:hiddenFill xmlns:a14="http://schemas.microsoft.com/office/drawing/2010/main" xmlns="">
+                <a14:hiddenFill xmlns="" xmlns:a14="http://schemas.microsoft.com/office/drawing/2010/main">
                   <a:noFill/>
                 </a14:hiddenFill>
               </a:ext>
@@ -5509,7 +5545,7 @@
             </a:ln>
             <a:extLst>
               <a:ext uri="{909E8E84-426E-40DD-AFC4-6F175D3DCCD1}">
-                <a14:hiddenFill xmlns:a14="http://schemas.microsoft.com/office/drawing/2010/main" xmlns="">
+                <a14:hiddenFill xmlns="" xmlns:a14="http://schemas.microsoft.com/office/drawing/2010/main">
                   <a:noFill/>
                 </a14:hiddenFill>
               </a:ext>
@@ -5634,15 +5670,7 @@
                   <a:schemeClr val="bg1"/>
                 </a:solidFill>
               </a:rPr>
-              <a:t>. ielasīšana </a:t>
-            </a:r>
-            <a:r>
-              <a:rPr lang="lv-LV" dirty="0" smtClean="0">
-                <a:solidFill>
-                  <a:schemeClr val="bg1"/>
-                </a:solidFill>
-              </a:rPr>
-              <a:t>(II)</a:t>
+              <a:t>. ielasīšana (II)</a:t>
             </a:r>
             <a:endParaRPr lang="en-US" dirty="0" smtClean="0">
               <a:solidFill>
@@ -5695,7 +5723,7 @@
             </a:ln>
             <a:extLst>
               <a:ext uri="{909E8E84-426E-40DD-AFC4-6F175D3DCCD1}">
-                <a14:hiddenFill xmlns:a14="http://schemas.microsoft.com/office/drawing/2010/main" xmlns="">
+                <a14:hiddenFill xmlns="" xmlns:a14="http://schemas.microsoft.com/office/drawing/2010/main">
                   <a:noFill/>
                 </a14:hiddenFill>
               </a:ext>
@@ -5736,7 +5764,7 @@
             </a:ln>
             <a:extLst>
               <a:ext uri="{909E8E84-426E-40DD-AFC4-6F175D3DCCD1}">
-                <a14:hiddenFill xmlns:a14="http://schemas.microsoft.com/office/drawing/2010/main" xmlns="">
+                <a14:hiddenFill xmlns="" xmlns:a14="http://schemas.microsoft.com/office/drawing/2010/main">
                   <a:noFill/>
                 </a14:hiddenFill>
               </a:ext>
@@ -5777,7 +5805,7 @@
             </a:ln>
             <a:extLst>
               <a:ext uri="{909E8E84-426E-40DD-AFC4-6F175D3DCCD1}">
-                <a14:hiddenFill xmlns:a14="http://schemas.microsoft.com/office/drawing/2010/main" xmlns="">
+                <a14:hiddenFill xmlns="" xmlns:a14="http://schemas.microsoft.com/office/drawing/2010/main">
                   <a:noFill/>
                 </a14:hiddenFill>
               </a:ext>
@@ -5818,7 +5846,7 @@
             </a:ln>
             <a:extLst>
               <a:ext uri="{909E8E84-426E-40DD-AFC4-6F175D3DCCD1}">
-                <a14:hiddenFill xmlns:a14="http://schemas.microsoft.com/office/drawing/2010/main" xmlns="">
+                <a14:hiddenFill xmlns="" xmlns:a14="http://schemas.microsoft.com/office/drawing/2010/main">
                   <a:noFill/>
                 </a14:hiddenFill>
               </a:ext>
@@ -5859,7 +5887,7 @@
             </a:ln>
             <a:extLst>
               <a:ext uri="{909E8E84-426E-40DD-AFC4-6F175D3DCCD1}">
-                <a14:hiddenFill xmlns:a14="http://schemas.microsoft.com/office/drawing/2010/main" xmlns="">
+                <a14:hiddenFill xmlns="" xmlns:a14="http://schemas.microsoft.com/office/drawing/2010/main">
                   <a:noFill/>
                 </a14:hiddenFill>
               </a:ext>
@@ -5900,7 +5928,7 @@
             </a:ln>
             <a:extLst>
               <a:ext uri="{909E8E84-426E-40DD-AFC4-6F175D3DCCD1}">
-                <a14:hiddenFill xmlns:a14="http://schemas.microsoft.com/office/drawing/2010/main" xmlns="">
+                <a14:hiddenFill xmlns="" xmlns:a14="http://schemas.microsoft.com/office/drawing/2010/main">
                   <a:noFill/>
                 </a14:hiddenFill>
               </a:ext>
@@ -5941,7 +5969,7 @@
             </a:ln>
             <a:extLst>
               <a:ext uri="{909E8E84-426E-40DD-AFC4-6F175D3DCCD1}">
-                <a14:hiddenFill xmlns:a14="http://schemas.microsoft.com/office/drawing/2010/main" xmlns="">
+                <a14:hiddenFill xmlns="" xmlns:a14="http://schemas.microsoft.com/office/drawing/2010/main">
                   <a:noFill/>
                 </a14:hiddenFill>
               </a:ext>
@@ -5982,7 +6010,7 @@
             </a:ln>
             <a:extLst>
               <a:ext uri="{909E8E84-426E-40DD-AFC4-6F175D3DCCD1}">
-                <a14:hiddenFill xmlns:a14="http://schemas.microsoft.com/office/drawing/2010/main" xmlns="">
+                <a14:hiddenFill xmlns="" xmlns:a14="http://schemas.microsoft.com/office/drawing/2010/main">
                   <a:noFill/>
                 </a14:hiddenFill>
               </a:ext>
@@ -6114,23 +6142,7 @@
                   <a:schemeClr val="bg1"/>
                 </a:solidFill>
               </a:rPr>
-              <a:t>Kriptogrāfisko vērtību mig</a:t>
-            </a:r>
-            <a:r>
-              <a:rPr lang="lv-LV" dirty="0" smtClean="0">
-                <a:solidFill>
-                  <a:schemeClr val="bg1"/>
-                </a:solidFill>
-              </a:rPr>
-              <a:t>rēšana</a:t>
-            </a:r>
-            <a:r>
-              <a:rPr lang="lv-LV" dirty="0" smtClean="0">
-                <a:solidFill>
-                  <a:schemeClr val="bg1"/>
-                </a:solidFill>
-              </a:rPr>
-              <a:t> (I)</a:t>
+              <a:t>Kriptogrāfisko vērtību migrēšana (I)</a:t>
             </a:r>
             <a:endParaRPr lang="en-US" dirty="0" smtClean="0">
               <a:solidFill>
@@ -6298,7 +6310,7 @@
             </a:ln>
             <a:extLst>
               <a:ext uri="{909E8E84-426E-40DD-AFC4-6F175D3DCCD1}">
-                <a14:hiddenFill xmlns:a14="http://schemas.microsoft.com/office/drawing/2010/main" xmlns="">
+                <a14:hiddenFill xmlns="" xmlns:a14="http://schemas.microsoft.com/office/drawing/2010/main">
                   <a:noFill/>
                 </a14:hiddenFill>
               </a:ext>
@@ -6339,7 +6351,7 @@
             </a:ln>
             <a:extLst>
               <a:ext uri="{909E8E84-426E-40DD-AFC4-6F175D3DCCD1}">
-                <a14:hiddenFill xmlns:a14="http://schemas.microsoft.com/office/drawing/2010/main" xmlns="">
+                <a14:hiddenFill xmlns="" xmlns:a14="http://schemas.microsoft.com/office/drawing/2010/main">
                   <a:noFill/>
                 </a14:hiddenFill>
               </a:ext>
@@ -6380,7 +6392,7 @@
             </a:ln>
             <a:extLst>
               <a:ext uri="{909E8E84-426E-40DD-AFC4-6F175D3DCCD1}">
-                <a14:hiddenFill xmlns:a14="http://schemas.microsoft.com/office/drawing/2010/main" xmlns="">
+                <a14:hiddenFill xmlns="" xmlns:a14="http://schemas.microsoft.com/office/drawing/2010/main">
                   <a:noFill/>
                 </a14:hiddenFill>
               </a:ext>
@@ -6421,7 +6433,7 @@
             </a:ln>
             <a:extLst>
               <a:ext uri="{909E8E84-426E-40DD-AFC4-6F175D3DCCD1}">
-                <a14:hiddenFill xmlns:a14="http://schemas.microsoft.com/office/drawing/2010/main" xmlns="">
+                <a14:hiddenFill xmlns="" xmlns:a14="http://schemas.microsoft.com/office/drawing/2010/main">
                   <a:noFill/>
                 </a14:hiddenFill>
               </a:ext>
@@ -6462,7 +6474,7 @@
             </a:ln>
             <a:extLst>
               <a:ext uri="{909E8E84-426E-40DD-AFC4-6F175D3DCCD1}">
-                <a14:hiddenFill xmlns:a14="http://schemas.microsoft.com/office/drawing/2010/main" xmlns="">
+                <a14:hiddenFill xmlns="" xmlns:a14="http://schemas.microsoft.com/office/drawing/2010/main">
                   <a:noFill/>
                 </a14:hiddenFill>
               </a:ext>
@@ -6503,7 +6515,7 @@
             </a:ln>
             <a:extLst>
               <a:ext uri="{909E8E84-426E-40DD-AFC4-6F175D3DCCD1}">
-                <a14:hiddenFill xmlns:a14="http://schemas.microsoft.com/office/drawing/2010/main" xmlns="">
+                <a14:hiddenFill xmlns="" xmlns:a14="http://schemas.microsoft.com/office/drawing/2010/main">
                   <a:noFill/>
                 </a14:hiddenFill>
               </a:ext>
@@ -6544,7 +6556,7 @@
             </a:ln>
             <a:extLst>
               <a:ext uri="{909E8E84-426E-40DD-AFC4-6F175D3DCCD1}">
-                <a14:hiddenFill xmlns:a14="http://schemas.microsoft.com/office/drawing/2010/main" xmlns="">
+                <a14:hiddenFill xmlns="" xmlns:a14="http://schemas.microsoft.com/office/drawing/2010/main">
                   <a:noFill/>
                 </a14:hiddenFill>
               </a:ext>
@@ -6585,7 +6597,7 @@
             </a:ln>
             <a:extLst>
               <a:ext uri="{909E8E84-426E-40DD-AFC4-6F175D3DCCD1}">
-                <a14:hiddenFill xmlns:a14="http://schemas.microsoft.com/office/drawing/2010/main" xmlns="">
+                <a14:hiddenFill xmlns="" xmlns:a14="http://schemas.microsoft.com/office/drawing/2010/main">
                   <a:noFill/>
                 </a14:hiddenFill>
               </a:ext>
@@ -6694,23 +6706,7 @@
                   <a:schemeClr val="bg1"/>
                 </a:solidFill>
               </a:rPr>
-              <a:t>Kriptogrāfisko vērtību </a:t>
-            </a:r>
-            <a:r>
-              <a:rPr lang="lv-LV" dirty="0" smtClean="0">
-                <a:solidFill>
-                  <a:schemeClr val="bg1"/>
-                </a:solidFill>
-              </a:rPr>
-              <a:t>migrēšana</a:t>
-            </a:r>
-            <a:r>
-              <a:rPr lang="lv-LV" dirty="0" smtClean="0">
-                <a:solidFill>
-                  <a:schemeClr val="bg1"/>
-                </a:solidFill>
-              </a:rPr>
-              <a:t>(II)</a:t>
+              <a:t>Kriptogrāfisko vērtību migrēšana(II)</a:t>
             </a:r>
             <a:endParaRPr lang="en-US" dirty="0" smtClean="0">
               <a:solidFill>
@@ -6763,7 +6759,7 @@
             </a:ln>
             <a:extLst>
               <a:ext uri="{909E8E84-426E-40DD-AFC4-6F175D3DCCD1}">
-                <a14:hiddenFill xmlns:a14="http://schemas.microsoft.com/office/drawing/2010/main" xmlns="">
+                <a14:hiddenFill xmlns="" xmlns:a14="http://schemas.microsoft.com/office/drawing/2010/main">
                   <a:noFill/>
                 </a14:hiddenFill>
               </a:ext>
@@ -6804,7 +6800,7 @@
             </a:ln>
             <a:extLst>
               <a:ext uri="{909E8E84-426E-40DD-AFC4-6F175D3DCCD1}">
-                <a14:hiddenFill xmlns:a14="http://schemas.microsoft.com/office/drawing/2010/main" xmlns="">
+                <a14:hiddenFill xmlns="" xmlns:a14="http://schemas.microsoft.com/office/drawing/2010/main">
                   <a:noFill/>
                 </a14:hiddenFill>
               </a:ext>
@@ -6845,7 +6841,7 @@
             </a:ln>
             <a:extLst>
               <a:ext uri="{909E8E84-426E-40DD-AFC4-6F175D3DCCD1}">
-                <a14:hiddenFill xmlns:a14="http://schemas.microsoft.com/office/drawing/2010/main" xmlns="">
+                <a14:hiddenFill xmlns="" xmlns:a14="http://schemas.microsoft.com/office/drawing/2010/main">
                   <a:noFill/>
                 </a14:hiddenFill>
               </a:ext>
@@ -6886,7 +6882,7 @@
             </a:ln>
             <a:extLst>
               <a:ext uri="{909E8E84-426E-40DD-AFC4-6F175D3DCCD1}">
-                <a14:hiddenFill xmlns:a14="http://schemas.microsoft.com/office/drawing/2010/main" xmlns="">
+                <a14:hiddenFill xmlns="" xmlns:a14="http://schemas.microsoft.com/office/drawing/2010/main">
                   <a:noFill/>
                 </a14:hiddenFill>
               </a:ext>
@@ -6927,7 +6923,7 @@
             </a:ln>
             <a:extLst>
               <a:ext uri="{909E8E84-426E-40DD-AFC4-6F175D3DCCD1}">
-                <a14:hiddenFill xmlns:a14="http://schemas.microsoft.com/office/drawing/2010/main" xmlns="">
+                <a14:hiddenFill xmlns="" xmlns:a14="http://schemas.microsoft.com/office/drawing/2010/main">
                   <a:noFill/>
                 </a14:hiddenFill>
               </a:ext>
@@ -6968,7 +6964,7 @@
             </a:ln>
             <a:extLst>
               <a:ext uri="{909E8E84-426E-40DD-AFC4-6F175D3DCCD1}">
-                <a14:hiddenFill xmlns:a14="http://schemas.microsoft.com/office/drawing/2010/main" xmlns="">
+                <a14:hiddenFill xmlns="" xmlns:a14="http://schemas.microsoft.com/office/drawing/2010/main">
                   <a:noFill/>
                 </a14:hiddenFill>
               </a:ext>
@@ -7009,7 +7005,7 @@
             </a:ln>
             <a:extLst>
               <a:ext uri="{909E8E84-426E-40DD-AFC4-6F175D3DCCD1}">
-                <a14:hiddenFill xmlns:a14="http://schemas.microsoft.com/office/drawing/2010/main" xmlns="">
+                <a14:hiddenFill xmlns="" xmlns:a14="http://schemas.microsoft.com/office/drawing/2010/main">
                   <a:noFill/>
                 </a14:hiddenFill>
               </a:ext>
@@ -7050,7 +7046,7 @@
             </a:ln>
             <a:extLst>
               <a:ext uri="{909E8E84-426E-40DD-AFC4-6F175D3DCCD1}">
-                <a14:hiddenFill xmlns:a14="http://schemas.microsoft.com/office/drawing/2010/main" xmlns="">
+                <a14:hiddenFill xmlns="" xmlns:a14="http://schemas.microsoft.com/office/drawing/2010/main">
                   <a:noFill/>
                 </a14:hiddenFill>
               </a:ext>
@@ -7262,7 +7258,7 @@
             </a:ln>
             <a:extLst>
               <a:ext uri="{909E8E84-426E-40DD-AFC4-6F175D3DCCD1}">
-                <a14:hiddenFill xmlns:a14="http://schemas.microsoft.com/office/drawing/2010/main" xmlns="">
+                <a14:hiddenFill xmlns="" xmlns:a14="http://schemas.microsoft.com/office/drawing/2010/main">
                   <a:noFill/>
                 </a14:hiddenFill>
               </a:ext>
@@ -7303,7 +7299,7 @@
             </a:ln>
             <a:extLst>
               <a:ext uri="{909E8E84-426E-40DD-AFC4-6F175D3DCCD1}">
-                <a14:hiddenFill xmlns:a14="http://schemas.microsoft.com/office/drawing/2010/main" xmlns="">
+                <a14:hiddenFill xmlns="" xmlns:a14="http://schemas.microsoft.com/office/drawing/2010/main">
                   <a:noFill/>
                 </a14:hiddenFill>
               </a:ext>
@@ -7344,7 +7340,7 @@
             </a:ln>
             <a:extLst>
               <a:ext uri="{909E8E84-426E-40DD-AFC4-6F175D3DCCD1}">
-                <a14:hiddenFill xmlns:a14="http://schemas.microsoft.com/office/drawing/2010/main" xmlns="">
+                <a14:hiddenFill xmlns="" xmlns:a14="http://schemas.microsoft.com/office/drawing/2010/main">
                   <a:noFill/>
                 </a14:hiddenFill>
               </a:ext>
@@ -7385,7 +7381,7 @@
             </a:ln>
             <a:extLst>
               <a:ext uri="{909E8E84-426E-40DD-AFC4-6F175D3DCCD1}">
-                <a14:hiddenFill xmlns:a14="http://schemas.microsoft.com/office/drawing/2010/main" xmlns="">
+                <a14:hiddenFill xmlns="" xmlns:a14="http://schemas.microsoft.com/office/drawing/2010/main">
                   <a:noFill/>
                 </a14:hiddenFill>
               </a:ext>
@@ -7426,7 +7422,7 @@
             </a:ln>
             <a:extLst>
               <a:ext uri="{909E8E84-426E-40DD-AFC4-6F175D3DCCD1}">
-                <a14:hiddenFill xmlns:a14="http://schemas.microsoft.com/office/drawing/2010/main" xmlns="">
+                <a14:hiddenFill xmlns="" xmlns:a14="http://schemas.microsoft.com/office/drawing/2010/main">
                   <a:noFill/>
                 </a14:hiddenFill>
               </a:ext>
@@ -7467,7 +7463,7 @@
             </a:ln>
             <a:extLst>
               <a:ext uri="{909E8E84-426E-40DD-AFC4-6F175D3DCCD1}">
-                <a14:hiddenFill xmlns:a14="http://schemas.microsoft.com/office/drawing/2010/main" xmlns="">
+                <a14:hiddenFill xmlns="" xmlns:a14="http://schemas.microsoft.com/office/drawing/2010/main">
                   <a:noFill/>
                 </a14:hiddenFill>
               </a:ext>
@@ -7508,7 +7504,7 @@
             </a:ln>
             <a:extLst>
               <a:ext uri="{909E8E84-426E-40DD-AFC4-6F175D3DCCD1}">
-                <a14:hiddenFill xmlns:a14="http://schemas.microsoft.com/office/drawing/2010/main" xmlns="">
+                <a14:hiddenFill xmlns="" xmlns:a14="http://schemas.microsoft.com/office/drawing/2010/main">
                   <a:noFill/>
                 </a14:hiddenFill>
               </a:ext>
@@ -7549,7 +7545,7 @@
             </a:ln>
             <a:extLst>
               <a:ext uri="{909E8E84-426E-40DD-AFC4-6F175D3DCCD1}">
-                <a14:hiddenFill xmlns:a14="http://schemas.microsoft.com/office/drawing/2010/main" xmlns="">
+                <a14:hiddenFill xmlns="" xmlns:a14="http://schemas.microsoft.com/office/drawing/2010/main">
                   <a:noFill/>
                 </a14:hiddenFill>
               </a:ext>
@@ -7732,31 +7728,7 @@
                   <a:schemeClr val="bg1"/>
                 </a:solidFill>
               </a:rPr>
-              <a:t>. uzņēmums</a:t>
-            </a:r>
-            <a:r>
-              <a:rPr lang="lv-LV" dirty="0" smtClean="0">
-                <a:solidFill>
-                  <a:schemeClr val="bg1"/>
-                </a:solidFill>
-              </a:rPr>
-              <a:t>, kas specializējas dažādu informācijas sistēmu </a:t>
-            </a:r>
-            <a:r>
-              <a:rPr lang="lv-LV" dirty="0" smtClean="0">
-                <a:solidFill>
-                  <a:schemeClr val="bg1"/>
-                </a:solidFill>
-              </a:rPr>
-              <a:t>izveidē. </a:t>
-            </a:r>
-            <a:r>
-              <a:rPr lang="lv-LV" dirty="0" smtClean="0">
-                <a:solidFill>
-                  <a:schemeClr val="bg1"/>
-                </a:solidFill>
-              </a:rPr>
-              <a:t>Uzņēmuma informatīvāko un eksportspējīgāko produktu - “</a:t>
+              <a:t>. uzņēmums, kas specializējas dažādu informācijas sistēmu izveidē. Uzņēmuma informatīvāko un eksportspējīgāko produktu - “</a:t>
             </a:r>
             <a:r>
               <a:rPr lang="lv-LV" dirty="0" err="1" smtClean="0">
@@ -7788,15 +7760,7 @@
                   <a:schemeClr val="bg1"/>
                 </a:solidFill>
               </a:rPr>
-              <a:t>” programmatūru, lieto vairāk nekā 400 finanšu institūcijas 33 pasaules valstīs</a:t>
-            </a:r>
-            <a:r>
-              <a:rPr lang="lv-LV" dirty="0" smtClean="0">
-                <a:solidFill>
-                  <a:schemeClr val="bg1"/>
-                </a:solidFill>
-              </a:rPr>
-              <a:t>. </a:t>
+              <a:t>” programmatūru, lieto vairāk nekā 400 finanšu institūcijas 33 pasaules valstīs. </a:t>
             </a:r>
             <a:r>
               <a:rPr lang="lv-LV" dirty="0" err="1" smtClean="0">
@@ -7881,7 +7845,7 @@
             </a:ln>
             <a:extLst>
               <a:ext uri="{909E8E84-426E-40DD-AFC4-6F175D3DCCD1}">
-                <a14:hiddenFill xmlns:a14="http://schemas.microsoft.com/office/drawing/2010/main" xmlns="">
+                <a14:hiddenFill xmlns="" xmlns:a14="http://schemas.microsoft.com/office/drawing/2010/main">
                   <a:noFill/>
                 </a14:hiddenFill>
               </a:ext>
@@ -7922,7 +7886,7 @@
             </a:ln>
             <a:extLst>
               <a:ext uri="{909E8E84-426E-40DD-AFC4-6F175D3DCCD1}">
-                <a14:hiddenFill xmlns:a14="http://schemas.microsoft.com/office/drawing/2010/main" xmlns="">
+                <a14:hiddenFill xmlns="" xmlns:a14="http://schemas.microsoft.com/office/drawing/2010/main">
                   <a:noFill/>
                 </a14:hiddenFill>
               </a:ext>
@@ -7963,7 +7927,7 @@
             </a:ln>
             <a:extLst>
               <a:ext uri="{909E8E84-426E-40DD-AFC4-6F175D3DCCD1}">
-                <a14:hiddenFill xmlns:a14="http://schemas.microsoft.com/office/drawing/2010/main" xmlns="">
+                <a14:hiddenFill xmlns="" xmlns:a14="http://schemas.microsoft.com/office/drawing/2010/main">
                   <a:noFill/>
                 </a14:hiddenFill>
               </a:ext>
@@ -8004,7 +7968,7 @@
             </a:ln>
             <a:extLst>
               <a:ext uri="{909E8E84-426E-40DD-AFC4-6F175D3DCCD1}">
-                <a14:hiddenFill xmlns:a14="http://schemas.microsoft.com/office/drawing/2010/main" xmlns="">
+                <a14:hiddenFill xmlns="" xmlns:a14="http://schemas.microsoft.com/office/drawing/2010/main">
                   <a:noFill/>
                 </a14:hiddenFill>
               </a:ext>
@@ -8045,7 +8009,7 @@
             </a:ln>
             <a:extLst>
               <a:ext uri="{909E8E84-426E-40DD-AFC4-6F175D3DCCD1}">
-                <a14:hiddenFill xmlns:a14="http://schemas.microsoft.com/office/drawing/2010/main" xmlns="">
+                <a14:hiddenFill xmlns="" xmlns:a14="http://schemas.microsoft.com/office/drawing/2010/main">
                   <a:noFill/>
                 </a14:hiddenFill>
               </a:ext>
@@ -8086,7 +8050,7 @@
             </a:ln>
             <a:extLst>
               <a:ext uri="{909E8E84-426E-40DD-AFC4-6F175D3DCCD1}">
-                <a14:hiddenFill xmlns:a14="http://schemas.microsoft.com/office/drawing/2010/main" xmlns="">
+                <a14:hiddenFill xmlns="" xmlns:a14="http://schemas.microsoft.com/office/drawing/2010/main">
                   <a:noFill/>
                 </a14:hiddenFill>
               </a:ext>
@@ -8127,7 +8091,7 @@
             </a:ln>
             <a:extLst>
               <a:ext uri="{909E8E84-426E-40DD-AFC4-6F175D3DCCD1}">
-                <a14:hiddenFill xmlns:a14="http://schemas.microsoft.com/office/drawing/2010/main" xmlns="">
+                <a14:hiddenFill xmlns="" xmlns:a14="http://schemas.microsoft.com/office/drawing/2010/main">
                   <a:noFill/>
                 </a14:hiddenFill>
               </a:ext>
@@ -8168,7 +8132,7 @@
             </a:ln>
             <a:extLst>
               <a:ext uri="{909E8E84-426E-40DD-AFC4-6F175D3DCCD1}">
-                <a14:hiddenFill xmlns:a14="http://schemas.microsoft.com/office/drawing/2010/main" xmlns="">
+                <a14:hiddenFill xmlns="" xmlns:a14="http://schemas.microsoft.com/office/drawing/2010/main">
                   <a:noFill/>
                 </a14:hiddenFill>
               </a:ext>
@@ -8372,21 +8336,8 @@
                   <a:schemeClr val="bg1"/>
                 </a:solidFill>
               </a:rPr>
-              <a:t> PL/SQL un </a:t>
-            </a:r>
-            <a:r>
-              <a:rPr lang="lv-LV" dirty="0" smtClean="0">
-                <a:solidFill>
-                  <a:schemeClr val="bg1"/>
-                </a:solidFill>
-              </a:rPr>
-              <a:t>SQL</a:t>
-            </a:r>
-            <a:endParaRPr lang="lv-LV" dirty="0" smtClean="0">
-              <a:solidFill>
-                <a:schemeClr val="bg1"/>
-              </a:solidFill>
-            </a:endParaRPr>
+              <a:t> PL/SQL un SQL</a:t>
+            </a:r>
           </a:p>
           <a:p>
             <a:pPr marL="365760" indent="0">
@@ -8552,11 +8503,6 @@
               </a:rPr>
               <a:t>)</a:t>
             </a:r>
-            <a:endParaRPr lang="lv-LV" dirty="0" smtClean="0">
-              <a:solidFill>
-                <a:schemeClr val="bg1"/>
-              </a:solidFill>
-            </a:endParaRPr>
           </a:p>
         </p:txBody>
       </p:sp>
@@ -8603,7 +8549,7 @@
             </a:ln>
             <a:extLst>
               <a:ext uri="{909E8E84-426E-40DD-AFC4-6F175D3DCCD1}">
-                <a14:hiddenFill xmlns:a14="http://schemas.microsoft.com/office/drawing/2010/main" xmlns="">
+                <a14:hiddenFill xmlns="" xmlns:a14="http://schemas.microsoft.com/office/drawing/2010/main">
                   <a:noFill/>
                 </a14:hiddenFill>
               </a:ext>
@@ -8644,7 +8590,7 @@
             </a:ln>
             <a:extLst>
               <a:ext uri="{909E8E84-426E-40DD-AFC4-6F175D3DCCD1}">
-                <a14:hiddenFill xmlns:a14="http://schemas.microsoft.com/office/drawing/2010/main" xmlns="">
+                <a14:hiddenFill xmlns="" xmlns:a14="http://schemas.microsoft.com/office/drawing/2010/main">
                   <a:noFill/>
                 </a14:hiddenFill>
               </a:ext>
@@ -8685,7 +8631,7 @@
             </a:ln>
             <a:extLst>
               <a:ext uri="{909E8E84-426E-40DD-AFC4-6F175D3DCCD1}">
-                <a14:hiddenFill xmlns:a14="http://schemas.microsoft.com/office/drawing/2010/main" xmlns="">
+                <a14:hiddenFill xmlns="" xmlns:a14="http://schemas.microsoft.com/office/drawing/2010/main">
                   <a:noFill/>
                 </a14:hiddenFill>
               </a:ext>
@@ -8726,7 +8672,7 @@
             </a:ln>
             <a:extLst>
               <a:ext uri="{909E8E84-426E-40DD-AFC4-6F175D3DCCD1}">
-                <a14:hiddenFill xmlns:a14="http://schemas.microsoft.com/office/drawing/2010/main" xmlns="">
+                <a14:hiddenFill xmlns="" xmlns:a14="http://schemas.microsoft.com/office/drawing/2010/main">
                   <a:noFill/>
                 </a14:hiddenFill>
               </a:ext>
@@ -8767,7 +8713,7 @@
             </a:ln>
             <a:extLst>
               <a:ext uri="{909E8E84-426E-40DD-AFC4-6F175D3DCCD1}">
-                <a14:hiddenFill xmlns:a14="http://schemas.microsoft.com/office/drawing/2010/main" xmlns="">
+                <a14:hiddenFill xmlns="" xmlns:a14="http://schemas.microsoft.com/office/drawing/2010/main">
                   <a:noFill/>
                 </a14:hiddenFill>
               </a:ext>
@@ -8808,7 +8754,7 @@
             </a:ln>
             <a:extLst>
               <a:ext uri="{909E8E84-426E-40DD-AFC4-6F175D3DCCD1}">
-                <a14:hiddenFill xmlns:a14="http://schemas.microsoft.com/office/drawing/2010/main" xmlns="">
+                <a14:hiddenFill xmlns="" xmlns:a14="http://schemas.microsoft.com/office/drawing/2010/main">
                   <a:noFill/>
                 </a14:hiddenFill>
               </a:ext>
@@ -8849,7 +8795,7 @@
             </a:ln>
             <a:extLst>
               <a:ext uri="{909E8E84-426E-40DD-AFC4-6F175D3DCCD1}">
-                <a14:hiddenFill xmlns:a14="http://schemas.microsoft.com/office/drawing/2010/main" xmlns="">
+                <a14:hiddenFill xmlns="" xmlns:a14="http://schemas.microsoft.com/office/drawing/2010/main">
                   <a:noFill/>
                 </a14:hiddenFill>
               </a:ext>
@@ -8890,7 +8836,7 @@
             </a:ln>
             <a:extLst>
               <a:ext uri="{909E8E84-426E-40DD-AFC4-6F175D3DCCD1}">
-                <a14:hiddenFill xmlns:a14="http://schemas.microsoft.com/office/drawing/2010/main" xmlns="">
+                <a14:hiddenFill xmlns="" xmlns:a14="http://schemas.microsoft.com/office/drawing/2010/main">
                   <a:noFill/>
                 </a14:hiddenFill>
               </a:ext>
@@ -9192,7 +9138,7 @@
             </a:ln>
             <a:extLst>
               <a:ext uri="{909E8E84-426E-40DD-AFC4-6F175D3DCCD1}">
-                <a14:hiddenFill xmlns:a14="http://schemas.microsoft.com/office/drawing/2010/main" xmlns="">
+                <a14:hiddenFill xmlns="" xmlns:a14="http://schemas.microsoft.com/office/drawing/2010/main">
                   <a:noFill/>
                 </a14:hiddenFill>
               </a:ext>
@@ -9233,7 +9179,7 @@
             </a:ln>
             <a:extLst>
               <a:ext uri="{909E8E84-426E-40DD-AFC4-6F175D3DCCD1}">
-                <a14:hiddenFill xmlns:a14="http://schemas.microsoft.com/office/drawing/2010/main" xmlns="">
+                <a14:hiddenFill xmlns="" xmlns:a14="http://schemas.microsoft.com/office/drawing/2010/main">
                   <a:noFill/>
                 </a14:hiddenFill>
               </a:ext>
@@ -9274,7 +9220,7 @@
             </a:ln>
             <a:extLst>
               <a:ext uri="{909E8E84-426E-40DD-AFC4-6F175D3DCCD1}">
-                <a14:hiddenFill xmlns:a14="http://schemas.microsoft.com/office/drawing/2010/main" xmlns="">
+                <a14:hiddenFill xmlns="" xmlns:a14="http://schemas.microsoft.com/office/drawing/2010/main">
                   <a:noFill/>
                 </a14:hiddenFill>
               </a:ext>
@@ -9315,7 +9261,7 @@
             </a:ln>
             <a:extLst>
               <a:ext uri="{909E8E84-426E-40DD-AFC4-6F175D3DCCD1}">
-                <a14:hiddenFill xmlns:a14="http://schemas.microsoft.com/office/drawing/2010/main" xmlns="">
+                <a14:hiddenFill xmlns="" xmlns:a14="http://schemas.microsoft.com/office/drawing/2010/main">
                   <a:noFill/>
                 </a14:hiddenFill>
               </a:ext>
@@ -9356,7 +9302,7 @@
             </a:ln>
             <a:extLst>
               <a:ext uri="{909E8E84-426E-40DD-AFC4-6F175D3DCCD1}">
-                <a14:hiddenFill xmlns:a14="http://schemas.microsoft.com/office/drawing/2010/main" xmlns="">
+                <a14:hiddenFill xmlns="" xmlns:a14="http://schemas.microsoft.com/office/drawing/2010/main">
                   <a:noFill/>
                 </a14:hiddenFill>
               </a:ext>
@@ -9397,7 +9343,7 @@
             </a:ln>
             <a:extLst>
               <a:ext uri="{909E8E84-426E-40DD-AFC4-6F175D3DCCD1}">
-                <a14:hiddenFill xmlns:a14="http://schemas.microsoft.com/office/drawing/2010/main" xmlns="">
+                <a14:hiddenFill xmlns="" xmlns:a14="http://schemas.microsoft.com/office/drawing/2010/main">
                   <a:noFill/>
                 </a14:hiddenFill>
               </a:ext>
@@ -9438,7 +9384,7 @@
             </a:ln>
             <a:extLst>
               <a:ext uri="{909E8E84-426E-40DD-AFC4-6F175D3DCCD1}">
-                <a14:hiddenFill xmlns:a14="http://schemas.microsoft.com/office/drawing/2010/main" xmlns="">
+                <a14:hiddenFill xmlns="" xmlns:a14="http://schemas.microsoft.com/office/drawing/2010/main">
                   <a:noFill/>
                 </a14:hiddenFill>
               </a:ext>
@@ -9479,7 +9425,7 @@
             </a:ln>
             <a:extLst>
               <a:ext uri="{909E8E84-426E-40DD-AFC4-6F175D3DCCD1}">
-                <a14:hiddenFill xmlns:a14="http://schemas.microsoft.com/office/drawing/2010/main" xmlns="">
+                <a14:hiddenFill xmlns="" xmlns:a14="http://schemas.microsoft.com/office/drawing/2010/main">
                   <a:noFill/>
                 </a14:hiddenFill>
               </a:ext>
@@ -9651,29 +9597,8 @@
                   <a:schemeClr val="bg1"/>
                 </a:solidFill>
               </a:rPr>
-              <a:t> Funkcionālie, regresijas, integrācijas u.c. </a:t>
-            </a:r>
-            <a:r>
-              <a:rPr lang="lv-LV" dirty="0" smtClean="0">
-                <a:solidFill>
-                  <a:schemeClr val="bg1"/>
-                </a:solidFill>
-              </a:rPr>
-              <a:t>testi </a:t>
-            </a:r>
-            <a:r>
-              <a:rPr lang="lv-LV" dirty="0" smtClean="0">
-                <a:solidFill>
-                  <a:schemeClr val="bg1"/>
-                </a:solidFill>
-              </a:rPr>
-              <a:t>(testētāji)</a:t>
-            </a:r>
-            <a:endParaRPr lang="lv-LV" dirty="0" smtClean="0">
-              <a:solidFill>
-                <a:schemeClr val="bg1"/>
-              </a:solidFill>
-            </a:endParaRPr>
+              <a:t> Funkcionālie, regresijas, integrācijas u.c. testi (testētāji)</a:t>
+            </a:r>
           </a:p>
           <a:p>
             <a:pPr marL="365760" indent="0">
@@ -9687,21 +9612,8 @@
                   <a:schemeClr val="bg1"/>
                 </a:solidFill>
               </a:rPr>
-              <a:t> TAF (automatizēts testu veikšanas rīks</a:t>
-            </a:r>
-            <a:r>
-              <a:rPr lang="lv-LV" dirty="0" smtClean="0">
-                <a:solidFill>
-                  <a:schemeClr val="bg1"/>
-                </a:solidFill>
-              </a:rPr>
-              <a:t>)</a:t>
-            </a:r>
-            <a:endParaRPr lang="lv-LV" dirty="0" smtClean="0">
-              <a:solidFill>
-                <a:schemeClr val="bg1"/>
-              </a:solidFill>
-            </a:endParaRPr>
+              <a:t> TAF (automatizēts testu veikšanas rīks)</a:t>
+            </a:r>
           </a:p>
         </p:txBody>
       </p:sp>
@@ -9748,7 +9660,7 @@
             </a:ln>
             <a:extLst>
               <a:ext uri="{909E8E84-426E-40DD-AFC4-6F175D3DCCD1}">
-                <a14:hiddenFill xmlns:a14="http://schemas.microsoft.com/office/drawing/2010/main" xmlns="">
+                <a14:hiddenFill xmlns="" xmlns:a14="http://schemas.microsoft.com/office/drawing/2010/main">
                   <a:noFill/>
                 </a14:hiddenFill>
               </a:ext>
@@ -9789,7 +9701,7 @@
             </a:ln>
             <a:extLst>
               <a:ext uri="{909E8E84-426E-40DD-AFC4-6F175D3DCCD1}">
-                <a14:hiddenFill xmlns:a14="http://schemas.microsoft.com/office/drawing/2010/main" xmlns="">
+                <a14:hiddenFill xmlns="" xmlns:a14="http://schemas.microsoft.com/office/drawing/2010/main">
                   <a:noFill/>
                 </a14:hiddenFill>
               </a:ext>
@@ -9830,7 +9742,7 @@
             </a:ln>
             <a:extLst>
               <a:ext uri="{909E8E84-426E-40DD-AFC4-6F175D3DCCD1}">
-                <a14:hiddenFill xmlns:a14="http://schemas.microsoft.com/office/drawing/2010/main" xmlns="">
+                <a14:hiddenFill xmlns="" xmlns:a14="http://schemas.microsoft.com/office/drawing/2010/main">
                   <a:noFill/>
                 </a14:hiddenFill>
               </a:ext>
@@ -9871,7 +9783,7 @@
             </a:ln>
             <a:extLst>
               <a:ext uri="{909E8E84-426E-40DD-AFC4-6F175D3DCCD1}">
-                <a14:hiddenFill xmlns:a14="http://schemas.microsoft.com/office/drawing/2010/main" xmlns="">
+                <a14:hiddenFill xmlns="" xmlns:a14="http://schemas.microsoft.com/office/drawing/2010/main">
                   <a:noFill/>
                 </a14:hiddenFill>
               </a:ext>
@@ -9912,7 +9824,7 @@
             </a:ln>
             <a:extLst>
               <a:ext uri="{909E8E84-426E-40DD-AFC4-6F175D3DCCD1}">
-                <a14:hiddenFill xmlns:a14="http://schemas.microsoft.com/office/drawing/2010/main" xmlns="">
+                <a14:hiddenFill xmlns="" xmlns:a14="http://schemas.microsoft.com/office/drawing/2010/main">
                   <a:noFill/>
                 </a14:hiddenFill>
               </a:ext>
@@ -9953,7 +9865,7 @@
             </a:ln>
             <a:extLst>
               <a:ext uri="{909E8E84-426E-40DD-AFC4-6F175D3DCCD1}">
-                <a14:hiddenFill xmlns:a14="http://schemas.microsoft.com/office/drawing/2010/main" xmlns="">
+                <a14:hiddenFill xmlns="" xmlns:a14="http://schemas.microsoft.com/office/drawing/2010/main">
                   <a:noFill/>
                 </a14:hiddenFill>
               </a:ext>
@@ -9994,7 +9906,7 @@
             </a:ln>
             <a:extLst>
               <a:ext uri="{909E8E84-426E-40DD-AFC4-6F175D3DCCD1}">
-                <a14:hiddenFill xmlns:a14="http://schemas.microsoft.com/office/drawing/2010/main" xmlns="">
+                <a14:hiddenFill xmlns="" xmlns:a14="http://schemas.microsoft.com/office/drawing/2010/main">
                   <a:noFill/>
                 </a14:hiddenFill>
               </a:ext>
@@ -10035,7 +9947,7 @@
             </a:ln>
             <a:extLst>
               <a:ext uri="{909E8E84-426E-40DD-AFC4-6F175D3DCCD1}">
-                <a14:hiddenFill xmlns:a14="http://schemas.microsoft.com/office/drawing/2010/main" xmlns="">
+                <a14:hiddenFill xmlns="" xmlns:a14="http://schemas.microsoft.com/office/drawing/2010/main">
                   <a:noFill/>
                 </a14:hiddenFill>
               </a:ext>
@@ -10279,21 +10191,8 @@
                   <a:schemeClr val="bg1"/>
                 </a:solidFill>
               </a:rPr>
-              <a:t> </a:t>
-            </a:r>
-            <a:r>
-              <a:rPr lang="lv-LV" sz="2800" dirty="0" smtClean="0">
-                <a:solidFill>
-                  <a:schemeClr val="bg1"/>
-                </a:solidFill>
-              </a:rPr>
-              <a:t>PL/SQL un SQL</a:t>
-            </a:r>
-            <a:endParaRPr lang="lv-LV" sz="2800" dirty="0" smtClean="0">
-              <a:solidFill>
-                <a:schemeClr val="bg1"/>
-              </a:solidFill>
-            </a:endParaRPr>
+              <a:t> PL/SQL un SQL</a:t>
+            </a:r>
           </a:p>
         </p:txBody>
       </p:sp>
@@ -10340,7 +10239,7 @@
             </a:ln>
             <a:extLst>
               <a:ext uri="{909E8E84-426E-40DD-AFC4-6F175D3DCCD1}">
-                <a14:hiddenFill xmlns:a14="http://schemas.microsoft.com/office/drawing/2010/main" xmlns="">
+                <a14:hiddenFill xmlns="" xmlns:a14="http://schemas.microsoft.com/office/drawing/2010/main">
                   <a:noFill/>
                 </a14:hiddenFill>
               </a:ext>
@@ -10381,7 +10280,7 @@
             </a:ln>
             <a:extLst>
               <a:ext uri="{909E8E84-426E-40DD-AFC4-6F175D3DCCD1}">
-                <a14:hiddenFill xmlns:a14="http://schemas.microsoft.com/office/drawing/2010/main" xmlns="">
+                <a14:hiddenFill xmlns="" xmlns:a14="http://schemas.microsoft.com/office/drawing/2010/main">
                   <a:noFill/>
                 </a14:hiddenFill>
               </a:ext>
@@ -10422,7 +10321,7 @@
             </a:ln>
             <a:extLst>
               <a:ext uri="{909E8E84-426E-40DD-AFC4-6F175D3DCCD1}">
-                <a14:hiddenFill xmlns:a14="http://schemas.microsoft.com/office/drawing/2010/main" xmlns="">
+                <a14:hiddenFill xmlns="" xmlns:a14="http://schemas.microsoft.com/office/drawing/2010/main">
                   <a:noFill/>
                 </a14:hiddenFill>
               </a:ext>
@@ -10463,7 +10362,7 @@
             </a:ln>
             <a:extLst>
               <a:ext uri="{909E8E84-426E-40DD-AFC4-6F175D3DCCD1}">
-                <a14:hiddenFill xmlns:a14="http://schemas.microsoft.com/office/drawing/2010/main" xmlns="">
+                <a14:hiddenFill xmlns="" xmlns:a14="http://schemas.microsoft.com/office/drawing/2010/main">
                   <a:noFill/>
                 </a14:hiddenFill>
               </a:ext>
@@ -10504,7 +10403,7 @@
             </a:ln>
             <a:extLst>
               <a:ext uri="{909E8E84-426E-40DD-AFC4-6F175D3DCCD1}">
-                <a14:hiddenFill xmlns:a14="http://schemas.microsoft.com/office/drawing/2010/main" xmlns="">
+                <a14:hiddenFill xmlns="" xmlns:a14="http://schemas.microsoft.com/office/drawing/2010/main">
                   <a:noFill/>
                 </a14:hiddenFill>
               </a:ext>
@@ -10545,7 +10444,7 @@
             </a:ln>
             <a:extLst>
               <a:ext uri="{909E8E84-426E-40DD-AFC4-6F175D3DCCD1}">
-                <a14:hiddenFill xmlns:a14="http://schemas.microsoft.com/office/drawing/2010/main" xmlns="">
+                <a14:hiddenFill xmlns="" xmlns:a14="http://schemas.microsoft.com/office/drawing/2010/main">
                   <a:noFill/>
                 </a14:hiddenFill>
               </a:ext>
@@ -10586,7 +10485,7 @@
             </a:ln>
             <a:extLst>
               <a:ext uri="{909E8E84-426E-40DD-AFC4-6F175D3DCCD1}">
-                <a14:hiddenFill xmlns:a14="http://schemas.microsoft.com/office/drawing/2010/main" xmlns="">
+                <a14:hiddenFill xmlns="" xmlns:a14="http://schemas.microsoft.com/office/drawing/2010/main">
                   <a:noFill/>
                 </a14:hiddenFill>
               </a:ext>
@@ -10627,7 +10526,7 @@
             </a:ln>
             <a:extLst>
               <a:ext uri="{909E8E84-426E-40DD-AFC4-6F175D3DCCD1}">
-                <a14:hiddenFill xmlns:a14="http://schemas.microsoft.com/office/drawing/2010/main" xmlns="">
+                <a14:hiddenFill xmlns="" xmlns:a14="http://schemas.microsoft.com/office/drawing/2010/main">
                   <a:noFill/>
                 </a14:hiddenFill>
               </a:ext>
@@ -10812,7 +10711,7 @@
             </a:ln>
             <a:extLst>
               <a:ext uri="{909E8E84-426E-40DD-AFC4-6F175D3DCCD1}">
-                <a14:hiddenFill xmlns:a14="http://schemas.microsoft.com/office/drawing/2010/main" xmlns="">
+                <a14:hiddenFill xmlns="" xmlns:a14="http://schemas.microsoft.com/office/drawing/2010/main">
                   <a:noFill/>
                 </a14:hiddenFill>
               </a:ext>
@@ -10853,7 +10752,7 @@
             </a:ln>
             <a:extLst>
               <a:ext uri="{909E8E84-426E-40DD-AFC4-6F175D3DCCD1}">
-                <a14:hiddenFill xmlns:a14="http://schemas.microsoft.com/office/drawing/2010/main" xmlns="">
+                <a14:hiddenFill xmlns="" xmlns:a14="http://schemas.microsoft.com/office/drawing/2010/main">
                   <a:noFill/>
                 </a14:hiddenFill>
               </a:ext>
@@ -10894,7 +10793,7 @@
             </a:ln>
             <a:extLst>
               <a:ext uri="{909E8E84-426E-40DD-AFC4-6F175D3DCCD1}">
-                <a14:hiddenFill xmlns:a14="http://schemas.microsoft.com/office/drawing/2010/main" xmlns="">
+                <a14:hiddenFill xmlns="" xmlns:a14="http://schemas.microsoft.com/office/drawing/2010/main">
                   <a:noFill/>
                 </a14:hiddenFill>
               </a:ext>
@@ -10935,7 +10834,7 @@
             </a:ln>
             <a:extLst>
               <a:ext uri="{909E8E84-426E-40DD-AFC4-6F175D3DCCD1}">
-                <a14:hiddenFill xmlns:a14="http://schemas.microsoft.com/office/drawing/2010/main" xmlns="">
+                <a14:hiddenFill xmlns="" xmlns:a14="http://schemas.microsoft.com/office/drawing/2010/main">
                   <a:noFill/>
                 </a14:hiddenFill>
               </a:ext>
@@ -10976,7 +10875,7 @@
             </a:ln>
             <a:extLst>
               <a:ext uri="{909E8E84-426E-40DD-AFC4-6F175D3DCCD1}">
-                <a14:hiddenFill xmlns:a14="http://schemas.microsoft.com/office/drawing/2010/main" xmlns="">
+                <a14:hiddenFill xmlns="" xmlns:a14="http://schemas.microsoft.com/office/drawing/2010/main">
                   <a:noFill/>
                 </a14:hiddenFill>
               </a:ext>
@@ -11017,7 +10916,7 @@
             </a:ln>
             <a:extLst>
               <a:ext uri="{909E8E84-426E-40DD-AFC4-6F175D3DCCD1}">
-                <a14:hiddenFill xmlns:a14="http://schemas.microsoft.com/office/drawing/2010/main" xmlns="">
+                <a14:hiddenFill xmlns="" xmlns:a14="http://schemas.microsoft.com/office/drawing/2010/main">
                   <a:noFill/>
                 </a14:hiddenFill>
               </a:ext>
@@ -11058,7 +10957,7 @@
             </a:ln>
             <a:extLst>
               <a:ext uri="{909E8E84-426E-40DD-AFC4-6F175D3DCCD1}">
-                <a14:hiddenFill xmlns:a14="http://schemas.microsoft.com/office/drawing/2010/main" xmlns="">
+                <a14:hiddenFill xmlns="" xmlns:a14="http://schemas.microsoft.com/office/drawing/2010/main">
                   <a:noFill/>
                 </a14:hiddenFill>
               </a:ext>
@@ -11099,7 +10998,7 @@
             </a:ln>
             <a:extLst>
               <a:ext uri="{909E8E84-426E-40DD-AFC4-6F175D3DCCD1}">
-                <a14:hiddenFill xmlns:a14="http://schemas.microsoft.com/office/drawing/2010/main" xmlns="">
+                <a14:hiddenFill xmlns="" xmlns:a14="http://schemas.microsoft.com/office/drawing/2010/main">
                   <a:noFill/>
                 </a14:hiddenFill>
               </a:ext>
@@ -11376,7 +11275,7 @@
             </a:ln>
             <a:extLst>
               <a:ext uri="{909E8E84-426E-40DD-AFC4-6F175D3DCCD1}">
-                <a14:hiddenFill xmlns:a14="http://schemas.microsoft.com/office/drawing/2010/main" xmlns="">
+                <a14:hiddenFill xmlns="" xmlns:a14="http://schemas.microsoft.com/office/drawing/2010/main">
                   <a:noFill/>
                 </a14:hiddenFill>
               </a:ext>
@@ -11417,7 +11316,7 @@
             </a:ln>
             <a:extLst>
               <a:ext uri="{909E8E84-426E-40DD-AFC4-6F175D3DCCD1}">
-                <a14:hiddenFill xmlns:a14="http://schemas.microsoft.com/office/drawing/2010/main" xmlns="">
+                <a14:hiddenFill xmlns="" xmlns:a14="http://schemas.microsoft.com/office/drawing/2010/main">
                   <a:noFill/>
                 </a14:hiddenFill>
               </a:ext>
@@ -11458,7 +11357,7 @@
             </a:ln>
             <a:extLst>
               <a:ext uri="{909E8E84-426E-40DD-AFC4-6F175D3DCCD1}">
-                <a14:hiddenFill xmlns:a14="http://schemas.microsoft.com/office/drawing/2010/main" xmlns="">
+                <a14:hiddenFill xmlns="" xmlns:a14="http://schemas.microsoft.com/office/drawing/2010/main">
                   <a:noFill/>
                 </a14:hiddenFill>
               </a:ext>
@@ -11499,7 +11398,7 @@
             </a:ln>
             <a:extLst>
               <a:ext uri="{909E8E84-426E-40DD-AFC4-6F175D3DCCD1}">
-                <a14:hiddenFill xmlns:a14="http://schemas.microsoft.com/office/drawing/2010/main" xmlns="">
+                <a14:hiddenFill xmlns="" xmlns:a14="http://schemas.microsoft.com/office/drawing/2010/main">
                   <a:noFill/>
                 </a14:hiddenFill>
               </a:ext>
@@ -11540,7 +11439,7 @@
             </a:ln>
             <a:extLst>
               <a:ext uri="{909E8E84-426E-40DD-AFC4-6F175D3DCCD1}">
-                <a14:hiddenFill xmlns:a14="http://schemas.microsoft.com/office/drawing/2010/main" xmlns="">
+                <a14:hiddenFill xmlns="" xmlns:a14="http://schemas.microsoft.com/office/drawing/2010/main">
                   <a:noFill/>
                 </a14:hiddenFill>
               </a:ext>
@@ -11581,7 +11480,7 @@
             </a:ln>
             <a:extLst>
               <a:ext uri="{909E8E84-426E-40DD-AFC4-6F175D3DCCD1}">
-                <a14:hiddenFill xmlns:a14="http://schemas.microsoft.com/office/drawing/2010/main" xmlns="">
+                <a14:hiddenFill xmlns="" xmlns:a14="http://schemas.microsoft.com/office/drawing/2010/main">
                   <a:noFill/>
                 </a14:hiddenFill>
               </a:ext>
@@ -11622,7 +11521,7 @@
             </a:ln>
             <a:extLst>
               <a:ext uri="{909E8E84-426E-40DD-AFC4-6F175D3DCCD1}">
-                <a14:hiddenFill xmlns:a14="http://schemas.microsoft.com/office/drawing/2010/main" xmlns="">
+                <a14:hiddenFill xmlns="" xmlns:a14="http://schemas.microsoft.com/office/drawing/2010/main">
                   <a:noFill/>
                 </a14:hiddenFill>
               </a:ext>
@@ -11663,7 +11562,7 @@
             </a:ln>
             <a:extLst>
               <a:ext uri="{909E8E84-426E-40DD-AFC4-6F175D3DCCD1}">
-                <a14:hiddenFill xmlns:a14="http://schemas.microsoft.com/office/drawing/2010/main" xmlns="">
+                <a14:hiddenFill xmlns="" xmlns:a14="http://schemas.microsoft.com/office/drawing/2010/main">
                   <a:noFill/>
                 </a14:hiddenFill>
               </a:ext>
@@ -11772,15 +11671,7 @@
                   <a:schemeClr val="bg1"/>
                 </a:solidFill>
               </a:rPr>
-              <a:t>Telefona numura pārbaude</a:t>
-            </a:r>
-            <a:r>
-              <a:rPr lang="lv-LV" dirty="0" smtClean="0">
-                <a:solidFill>
-                  <a:schemeClr val="bg1"/>
-                </a:solidFill>
-              </a:rPr>
-              <a:t> (II)</a:t>
+              <a:t>Telefona numura pārbaude (II)</a:t>
             </a:r>
             <a:endParaRPr lang="en-US" dirty="0" smtClean="0">
               <a:solidFill>
@@ -11833,7 +11724,7 @@
             </a:ln>
             <a:extLst>
               <a:ext uri="{909E8E84-426E-40DD-AFC4-6F175D3DCCD1}">
-                <a14:hiddenFill xmlns:a14="http://schemas.microsoft.com/office/drawing/2010/main" xmlns="">
+                <a14:hiddenFill xmlns="" xmlns:a14="http://schemas.microsoft.com/office/drawing/2010/main">
                   <a:noFill/>
                 </a14:hiddenFill>
               </a:ext>
@@ -11874,7 +11765,7 @@
             </a:ln>
             <a:extLst>
               <a:ext uri="{909E8E84-426E-40DD-AFC4-6F175D3DCCD1}">
-                <a14:hiddenFill xmlns:a14="http://schemas.microsoft.com/office/drawing/2010/main" xmlns="">
+                <a14:hiddenFill xmlns="" xmlns:a14="http://schemas.microsoft.com/office/drawing/2010/main">
                   <a:noFill/>
                 </a14:hiddenFill>
               </a:ext>
@@ -11915,7 +11806,7 @@
             </a:ln>
             <a:extLst>
               <a:ext uri="{909E8E84-426E-40DD-AFC4-6F175D3DCCD1}">
-                <a14:hiddenFill xmlns:a14="http://schemas.microsoft.com/office/drawing/2010/main" xmlns="">
+                <a14:hiddenFill xmlns="" xmlns:a14="http://schemas.microsoft.com/office/drawing/2010/main">
                   <a:noFill/>
                 </a14:hiddenFill>
               </a:ext>
@@ -11956,7 +11847,7 @@
             </a:ln>
             <a:extLst>
               <a:ext uri="{909E8E84-426E-40DD-AFC4-6F175D3DCCD1}">
-                <a14:hiddenFill xmlns:a14="http://schemas.microsoft.com/office/drawing/2010/main" xmlns="">
+                <a14:hiddenFill xmlns="" xmlns:a14="http://schemas.microsoft.com/office/drawing/2010/main">
                   <a:noFill/>
                 </a14:hiddenFill>
               </a:ext>
@@ -11997,7 +11888,7 @@
             </a:ln>
             <a:extLst>
               <a:ext uri="{909E8E84-426E-40DD-AFC4-6F175D3DCCD1}">
-                <a14:hiddenFill xmlns:a14="http://schemas.microsoft.com/office/drawing/2010/main" xmlns="">
+                <a14:hiddenFill xmlns="" xmlns:a14="http://schemas.microsoft.com/office/drawing/2010/main">
                   <a:noFill/>
                 </a14:hiddenFill>
               </a:ext>
@@ -12038,7 +11929,7 @@
             </a:ln>
             <a:extLst>
               <a:ext uri="{909E8E84-426E-40DD-AFC4-6F175D3DCCD1}">
-                <a14:hiddenFill xmlns:a14="http://schemas.microsoft.com/office/drawing/2010/main" xmlns="">
+                <a14:hiddenFill xmlns="" xmlns:a14="http://schemas.microsoft.com/office/drawing/2010/main">
                   <a:noFill/>
                 </a14:hiddenFill>
               </a:ext>
@@ -12079,7 +11970,7 @@
             </a:ln>
             <a:extLst>
               <a:ext uri="{909E8E84-426E-40DD-AFC4-6F175D3DCCD1}">
-                <a14:hiddenFill xmlns:a14="http://schemas.microsoft.com/office/drawing/2010/main" xmlns="">
+                <a14:hiddenFill xmlns="" xmlns:a14="http://schemas.microsoft.com/office/drawing/2010/main">
                   <a:noFill/>
                 </a14:hiddenFill>
               </a:ext>
@@ -12120,7 +12011,7 @@
             </a:ln>
             <a:extLst>
               <a:ext uri="{909E8E84-426E-40DD-AFC4-6F175D3DCCD1}">
-                <a14:hiddenFill xmlns:a14="http://schemas.microsoft.com/office/drawing/2010/main" xmlns="">
+                <a14:hiddenFill xmlns="" xmlns:a14="http://schemas.microsoft.com/office/drawing/2010/main">
                   <a:noFill/>
                 </a14:hiddenFill>
               </a:ext>
